--- a/Abstract review -2 B8(1).pptx
+++ b/Abstract review -2 B8(1).pptx
@@ -5,7 +5,7 @@
     <p:sldMasterId id="2147483660" r:id="rId1"/>
   </p:sldMasterIdLst>
   <p:notesMasterIdLst>
-    <p:notesMasterId r:id="rId17"/>
+    <p:notesMasterId r:id="rId18"/>
   </p:notesMasterIdLst>
   <p:sldIdLst>
     <p:sldId id="257" r:id="rId2"/>
@@ -22,7 +22,8 @@
     <p:sldId id="296" r:id="rId13"/>
     <p:sldId id="293" r:id="rId14"/>
     <p:sldId id="287" r:id="rId15"/>
-    <p:sldId id="278" r:id="rId16"/>
+    <p:sldId id="297" r:id="rId16"/>
+    <p:sldId id="278" r:id="rId17"/>
   </p:sldIdLst>
   <p:sldSz cx="9144000" cy="6858000" type="screen4x3"/>
   <p:notesSz cx="6858000" cy="9144000"/>
@@ -123,7 +124,7 @@
   </p:defaultTextStyle>
   <p:extLst>
     <p:ext uri="{EFAFB233-063F-42B5-8137-9DF3F51BA10A}">
-      <p15:sldGuideLst xmlns="" xmlns:p15="http://schemas.microsoft.com/office/powerpoint/2012/main">
+      <p15:sldGuideLst xmlns:p15="http://schemas.microsoft.com/office/powerpoint/2012/main" xmlns="">
         <p15:guide id="1" orient="horz" pos="2160">
           <p15:clr>
             <a:srgbClr val="A4A3A4"/>
@@ -223,7 +224,7 @@
             <a:fld id="{26CF9AAA-2D96-4243-8E59-EB3723E93C31}" type="datetimeFigureOut">
               <a:rPr lang="en-US" smtClean="0"/>
               <a:pPr/>
-              <a:t>2/17/2019</a:t>
+              <a:t>2/18/2019</a:t>
             </a:fld>
             <a:endParaRPr lang="en-US"/>
           </a:p>
@@ -859,7 +860,7 @@
             <a:fld id="{1D8BD707-D9CF-40AE-B4C6-C98DA3205C09}" type="datetimeFigureOut">
               <a:rPr lang="en-US" smtClean="0"/>
               <a:pPr/>
-              <a:t>2/17/2019</a:t>
+              <a:t>2/18/2019</a:t>
             </a:fld>
             <a:endParaRPr lang="en-US"/>
           </a:p>
@@ -1043,7 +1044,7 @@
             <a:fld id="{1D8BD707-D9CF-40AE-B4C6-C98DA3205C09}" type="datetimeFigureOut">
               <a:rPr lang="en-US" smtClean="0"/>
               <a:pPr/>
-              <a:t>2/17/2019</a:t>
+              <a:t>2/18/2019</a:t>
             </a:fld>
             <a:endParaRPr lang="en-US"/>
           </a:p>
@@ -1236,7 +1237,7 @@
             <a:fld id="{1D8BD707-D9CF-40AE-B4C6-C98DA3205C09}" type="datetimeFigureOut">
               <a:rPr lang="en-US" smtClean="0"/>
               <a:pPr/>
-              <a:t>2/17/2019</a:t>
+              <a:t>2/18/2019</a:t>
             </a:fld>
             <a:endParaRPr lang="en-US"/>
           </a:p>
@@ -1401,7 +1402,7 @@
             <a:fld id="{1D8BD707-D9CF-40AE-B4C6-C98DA3205C09}" type="datetimeFigureOut">
               <a:rPr lang="en-US" smtClean="0"/>
               <a:pPr/>
-              <a:t>2/17/2019</a:t>
+              <a:t>2/18/2019</a:t>
             </a:fld>
             <a:endParaRPr lang="en-US"/>
           </a:p>
@@ -1706,7 +1707,7 @@
             <a:fld id="{1D8BD707-D9CF-40AE-B4C6-C98DA3205C09}" type="datetimeFigureOut">
               <a:rPr lang="en-US" smtClean="0"/>
               <a:pPr/>
-              <a:t>2/17/2019</a:t>
+              <a:t>2/18/2019</a:t>
             </a:fld>
             <a:endParaRPr lang="en-US"/>
           </a:p>
@@ -1927,7 +1928,7 @@
             <a:fld id="{1D8BD707-D9CF-40AE-B4C6-C98DA3205C09}" type="datetimeFigureOut">
               <a:rPr lang="en-US" smtClean="0"/>
               <a:pPr/>
-              <a:t>2/17/2019</a:t>
+              <a:t>2/18/2019</a:t>
             </a:fld>
             <a:endParaRPr lang="en-US"/>
           </a:p>
@@ -2110,7 +2111,7 @@
             <a:fld id="{1D8BD707-D9CF-40AE-B4C6-C98DA3205C09}" type="datetimeFigureOut">
               <a:rPr lang="en-US" smtClean="0"/>
               <a:pPr/>
-              <a:t>2/17/2019</a:t>
+              <a:t>2/18/2019</a:t>
             </a:fld>
             <a:endParaRPr lang="en-US"/>
           </a:p>
@@ -2340,7 +2341,7 @@
             <a:fld id="{1D8BD707-D9CF-40AE-B4C6-C98DA3205C09}" type="datetimeFigureOut">
               <a:rPr lang="en-US" smtClean="0"/>
               <a:pPr/>
-              <a:t>2/17/2019</a:t>
+              <a:t>2/18/2019</a:t>
             </a:fld>
             <a:endParaRPr lang="en-US"/>
           </a:p>
@@ -2640,7 +2641,7 @@
             <a:fld id="{1D8BD707-D9CF-40AE-B4C6-C98DA3205C09}" type="datetimeFigureOut">
               <a:rPr lang="en-US" smtClean="0"/>
               <a:pPr/>
-              <a:t>2/17/2019</a:t>
+              <a:t>2/18/2019</a:t>
             </a:fld>
             <a:endParaRPr lang="en-US"/>
           </a:p>
@@ -3079,7 +3080,7 @@
             <a:fld id="{1D8BD707-D9CF-40AE-B4C6-C98DA3205C09}" type="datetimeFigureOut">
               <a:rPr lang="en-US" smtClean="0"/>
               <a:pPr/>
-              <a:t>2/17/2019</a:t>
+              <a:t>2/18/2019</a:t>
             </a:fld>
             <a:endParaRPr lang="en-US"/>
           </a:p>
@@ -3211,7 +3212,7 @@
             <a:fld id="{1D8BD707-D9CF-40AE-B4C6-C98DA3205C09}" type="datetimeFigureOut">
               <a:rPr lang="en-US" smtClean="0"/>
               <a:pPr/>
-              <a:t>2/17/2019</a:t>
+              <a:t>2/18/2019</a:t>
             </a:fld>
             <a:endParaRPr lang="en-US"/>
           </a:p>
@@ -3324,7 +3325,7 @@
             <a:fld id="{1D8BD707-D9CF-40AE-B4C6-C98DA3205C09}" type="datetimeFigureOut">
               <a:rPr lang="en-US" smtClean="0"/>
               <a:pPr/>
-              <a:t>2/17/2019</a:t>
+              <a:t>2/18/2019</a:t>
             </a:fld>
             <a:endParaRPr lang="en-US"/>
           </a:p>
@@ -3641,7 +3642,7 @@
             <a:fld id="{1D8BD707-D9CF-40AE-B4C6-C98DA3205C09}" type="datetimeFigureOut">
               <a:rPr lang="en-US" smtClean="0"/>
               <a:pPr/>
-              <a:t>2/17/2019</a:t>
+              <a:t>2/18/2019</a:t>
             </a:fld>
             <a:endParaRPr lang="en-US"/>
           </a:p>
@@ -3912,7 +3913,7 @@
             <a:fld id="{1D8BD707-D9CF-40AE-B4C6-C98DA3205C09}" type="datetimeFigureOut">
               <a:rPr lang="en-US" smtClean="0"/>
               <a:pPr/>
-              <a:t>2/17/2019</a:t>
+              <a:t>2/18/2019</a:t>
             </a:fld>
             <a:endParaRPr lang="en-US"/>
           </a:p>
@@ -4162,7 +4163,7 @@
             <a:fld id="{1D8BD707-D9CF-40AE-B4C6-C98DA3205C09}" type="datetimeFigureOut">
               <a:rPr lang="en-US" smtClean="0"/>
               <a:pPr/>
-              <a:t>2/17/2019</a:t>
+              <a:t>2/18/2019</a:t>
             </a:fld>
             <a:endParaRPr lang="en-US"/>
           </a:p>
@@ -5769,11 +5770,7 @@
             <a:pPr algn="just"/>
             <a:r>
               <a:rPr lang="en-IN" sz="2700" dirty="0" smtClean="0"/>
-              <a:t>Jong-Hun </a:t>
-            </a:r>
-            <a:r>
-              <a:rPr lang="en-IN" sz="2700" dirty="0" smtClean="0"/>
-              <a:t>Kim, Jung-Hyun Lee, </a:t>
+              <a:t>Jong-Hun Kim, Jung-Hyun Lee, </a:t>
             </a:r>
             <a:r>
               <a:rPr lang="en-IN" sz="2700" dirty="0" err="1" smtClean="0"/>
@@ -5781,27 +5778,7 @@
             </a:r>
             <a:r>
               <a:rPr lang="en-IN" sz="2700" dirty="0" smtClean="0"/>
-              <a:t>-Song Park, </a:t>
-            </a:r>
-            <a:r>
-              <a:rPr lang="en-IN" sz="2700" dirty="0" smtClean="0"/>
-              <a:t>Design </a:t>
-            </a:r>
-            <a:r>
-              <a:rPr lang="en-IN" sz="2700" dirty="0" smtClean="0"/>
-              <a:t>of Diet Recommendation System for Healthcare Service Based on User Information‖, 2009 Fourth International Conference on Computer Sciences </a:t>
-            </a:r>
-            <a:r>
-              <a:rPr lang="en-IN" sz="2700" dirty="0" smtClean="0"/>
-              <a:t>and </a:t>
-            </a:r>
-            <a:r>
-              <a:rPr lang="en-IN" sz="2700" dirty="0" smtClean="0"/>
-              <a:t>Information </a:t>
-            </a:r>
-            <a:r>
-              <a:rPr lang="en-IN" sz="2700" dirty="0" smtClean="0"/>
-              <a:t>Technology.</a:t>
+              <a:t>-Song Park, Design of Diet Recommendation System for Healthcare Service Based on User Information‖, 2009 Fourth International Conference on Computer Sciences and Information Technology.</a:t>
             </a:r>
           </a:p>
           <a:p>
@@ -5832,15 +5809,7 @@
             </a:r>
             <a:r>
               <a:rPr lang="en-IN" sz="2700" dirty="0" smtClean="0"/>
-              <a:t> Chen, </a:t>
-            </a:r>
-            <a:r>
-              <a:rPr lang="en-IN" sz="2700" dirty="0" smtClean="0"/>
-              <a:t>Dietary </a:t>
-            </a:r>
-            <a:r>
-              <a:rPr lang="en-IN" sz="2700" dirty="0" smtClean="0"/>
-              <a:t>Recommendation Based on Recipe Ontology‖, Awareness Science and Technology (</a:t>
+              <a:t> Chen, Dietary Recommendation Based on Recipe Ontology‖, Awareness Science and Technology (</a:t>
             </a:r>
             <a:r>
               <a:rPr lang="en-IN" sz="2700" dirty="0" err="1" smtClean="0"/>
@@ -5848,9 +5817,32 @@
             </a:r>
             <a:r>
               <a:rPr lang="en-IN" sz="2700" dirty="0" smtClean="0"/>
-              <a:t>), 2014 IEEE 6th International Conference on 29-31 Oct. 2014</a:t>
-            </a:r>
-            <a:endParaRPr lang="en-IN" sz="2700" dirty="0" smtClean="0"/>
+              <a:t>), 2014 IEEE 6th International Conference on </a:t>
+            </a:r>
+            <a:r>
+              <a:rPr lang="en-IN" sz="2700" dirty="0" smtClean="0"/>
+              <a:t>29</a:t>
+            </a:r>
+            <a:r>
+              <a:rPr lang="en-IN" sz="2700" baseline="30000" dirty="0" smtClean="0"/>
+              <a:t>th</a:t>
+            </a:r>
+            <a:r>
+              <a:rPr lang="en-IN" sz="2700" dirty="0" smtClean="0"/>
+              <a:t> to 31</a:t>
+            </a:r>
+            <a:r>
+              <a:rPr lang="en-IN" sz="2700" baseline="30000" dirty="0" smtClean="0"/>
+              <a:t>st</a:t>
+            </a:r>
+            <a:r>
+              <a:rPr lang="en-IN" sz="2700" dirty="0" smtClean="0"/>
+              <a:t>  </a:t>
+            </a:r>
+            <a:r>
+              <a:rPr lang="en-IN" sz="2700" dirty="0" smtClean="0"/>
+              <a:t>Oct. 2014</a:t>
+            </a:r>
           </a:p>
           <a:p>
             <a:pPr algn="just"/>
@@ -5900,6 +5892,104 @@
 </file>
 
 <file path=ppt/slides/slide15.xml><?xml version="1.0" encoding="utf-8"?>
+<p:sld xmlns:a="http://schemas.openxmlformats.org/drawingml/2006/main" xmlns:r="http://schemas.openxmlformats.org/officeDocument/2006/relationships" xmlns:p="http://schemas.openxmlformats.org/presentationml/2006/main">
+  <p:cSld>
+    <p:spTree>
+      <p:nvGrpSpPr>
+        <p:cNvPr id="1" name=""/>
+        <p:cNvGrpSpPr/>
+        <p:nvPr/>
+      </p:nvGrpSpPr>
+      <p:grpSpPr>
+        <a:xfrm>
+          <a:off x="0" y="0"/>
+          <a:ext cx="0" cy="0"/>
+          <a:chOff x="0" y="0"/>
+          <a:chExt cx="0" cy="0"/>
+        </a:xfrm>
+      </p:grpSpPr>
+      <p:sp>
+        <p:nvSpPr>
+          <p:cNvPr id="2" name="Title 1"/>
+          <p:cNvSpPr>
+            <a:spLocks noGrp="1"/>
+          </p:cNvSpPr>
+          <p:nvPr>
+            <p:ph type="title"/>
+          </p:nvPr>
+        </p:nvSpPr>
+        <p:spPr/>
+        <p:txBody>
+          <a:bodyPr/>
+          <a:lstStyle/>
+          <a:p>
+            <a:r>
+              <a:rPr lang="en-IN" dirty="0" smtClean="0"/>
+              <a:t>Comments</a:t>
+            </a:r>
+            <a:endParaRPr lang="en-IN" dirty="0"/>
+          </a:p>
+        </p:txBody>
+      </p:sp>
+      <p:sp>
+        <p:nvSpPr>
+          <p:cNvPr id="3" name="Content Placeholder 2"/>
+          <p:cNvSpPr>
+            <a:spLocks noGrp="1"/>
+          </p:cNvSpPr>
+          <p:nvPr>
+            <p:ph idx="1"/>
+          </p:nvPr>
+        </p:nvSpPr>
+        <p:spPr/>
+        <p:txBody>
+          <a:bodyPr/>
+          <a:lstStyle/>
+          <a:p>
+            <a:pPr>
+              <a:buSzPct val="120000"/>
+              <a:buFont typeface="Wingdings" pitchFamily="2" charset="2"/>
+              <a:buChar char="§"/>
+            </a:pPr>
+            <a:r>
+              <a:rPr lang="en-IN" dirty="0" smtClean="0"/>
+              <a:t>Instead of user providing ingredients, the project has to recommend appropriate food to users.</a:t>
+            </a:r>
+          </a:p>
+          <a:p>
+            <a:pPr>
+              <a:buSzPct val="120000"/>
+              <a:buFont typeface="Wingdings" pitchFamily="2" charset="2"/>
+              <a:buChar char="§"/>
+            </a:pPr>
+            <a:r>
+              <a:rPr lang="en-IN" dirty="0" smtClean="0"/>
+              <a:t>Modification in usage of algorithms.</a:t>
+            </a:r>
+          </a:p>
+          <a:p>
+            <a:pPr>
+              <a:buSzPct val="120000"/>
+              <a:buFont typeface="Wingdings" pitchFamily="2" charset="2"/>
+              <a:buChar char="§"/>
+            </a:pPr>
+            <a:r>
+              <a:rPr lang="en-IN" dirty="0" smtClean="0"/>
+              <a:t>Considering various health issues like obese or non obese.</a:t>
+            </a:r>
+            <a:endParaRPr lang="en-IN" dirty="0"/>
+          </a:p>
+        </p:txBody>
+      </p:sp>
+    </p:spTree>
+  </p:cSld>
+  <p:clrMapOvr>
+    <a:masterClrMapping/>
+  </p:clrMapOvr>
+</p:sld>
+</file>
+
+<file path=ppt/slides/slide16.xml><?xml version="1.0" encoding="utf-8"?>
 <p:sld xmlns:a="http://schemas.openxmlformats.org/drawingml/2006/main" xmlns:r="http://schemas.openxmlformats.org/officeDocument/2006/relationships" xmlns:p="http://schemas.openxmlformats.org/presentationml/2006/main">
   <p:cSld>
     <p:spTree>
@@ -6122,23 +6212,13 @@
               <a:rPr lang="en-IN" dirty="0" smtClean="0"/>
               <a:t>Due to diversity in food components and large number of dietary sources, it is challenging to perform real-time selection of diet patterns that must fulfil one’s nutrition needs. </a:t>
             </a:r>
-            <a:endParaRPr lang="en-IN" dirty="0" smtClean="0"/>
           </a:p>
           <a:p>
             <a:pPr algn="just"/>
             <a:r>
               <a:rPr lang="en-IN" dirty="0" smtClean="0"/>
-              <a:t>The </a:t>
-            </a:r>
-            <a:r>
-              <a:rPr lang="en-IN" dirty="0" smtClean="0"/>
-              <a:t>project entitled “The Food Recommendation System” recommends a list of food items and its  nutritional value  for the people who concern about weight issues </a:t>
-            </a:r>
-            <a:r>
-              <a:rPr lang="en-IN" dirty="0" smtClean="0"/>
-              <a:t> based on BMI ranges.</a:t>
-            </a:r>
-            <a:endParaRPr lang="en-IN" dirty="0" smtClean="0"/>
+              <a:t>The project entitled “The Food Recommendation System” recommends a list of food items and its  nutritional value  for the people who concern about weight issues  based on BMI ranges.</a:t>
+            </a:r>
           </a:p>
           <a:p>
             <a:pPr algn="just">
@@ -6466,15 +6546,7 @@
             <a:pPr algn="just"/>
             <a:r>
               <a:rPr lang="en-IN" dirty="0" smtClean="0"/>
-              <a:t> Does not provide </a:t>
-            </a:r>
-            <a:r>
-              <a:rPr lang="en-IN" dirty="0" smtClean="0"/>
-              <a:t>recipe and nutrition </a:t>
-            </a:r>
-            <a:r>
-              <a:rPr lang="en-IN" dirty="0" smtClean="0"/>
-              <a:t>information.</a:t>
+              <a:t> Does not provide recipe and nutrition information.</a:t>
             </a:r>
           </a:p>
           <a:p>
@@ -6559,35 +6631,7 @@
             </a:pPr>
             <a:r>
               <a:rPr lang="en-IN" dirty="0" smtClean="0"/>
-              <a:t>With </a:t>
-            </a:r>
-            <a:r>
-              <a:rPr lang="en-IN" dirty="0" smtClean="0"/>
-              <a:t>The Food </a:t>
-            </a:r>
-            <a:r>
-              <a:rPr lang="en-IN" dirty="0" smtClean="0"/>
-              <a:t>Recommendation </a:t>
-            </a:r>
-            <a:r>
-              <a:rPr lang="en-IN" dirty="0" smtClean="0"/>
-              <a:t>System, </a:t>
-            </a:r>
-            <a:r>
-              <a:rPr lang="en-IN" dirty="0" smtClean="0"/>
-              <a:t>we aim to recommend appropriate nutritional intake to </a:t>
-            </a:r>
-            <a:r>
-              <a:rPr lang="en-IN" dirty="0" smtClean="0"/>
-              <a:t>the </a:t>
-            </a:r>
-            <a:r>
-              <a:rPr lang="en-IN" dirty="0" smtClean="0"/>
-              <a:t>users based on </a:t>
-            </a:r>
-            <a:r>
-              <a:rPr lang="en-IN" dirty="0" smtClean="0"/>
-              <a:t>their personal preferences.</a:t>
+              <a:t>With The Food Recommendation System, we aim to recommend appropriate nutritional intake to the users based on their personal preferences.</a:t>
             </a:r>
           </a:p>
           <a:p>
@@ -6598,35 +6642,7 @@
             </a:pPr>
             <a:r>
               <a:rPr lang="en-IN" dirty="0" smtClean="0"/>
-              <a:t>The core </a:t>
-            </a:r>
-            <a:r>
-              <a:rPr lang="en-IN" dirty="0" smtClean="0"/>
-              <a:t>task </a:t>
-            </a:r>
-            <a:r>
-              <a:rPr lang="en-IN" dirty="0" smtClean="0"/>
-              <a:t>of </a:t>
-            </a:r>
-            <a:r>
-              <a:rPr lang="en-IN" dirty="0" smtClean="0"/>
-              <a:t>the system is to determine </a:t>
-            </a:r>
-            <a:r>
-              <a:rPr lang="en-IN" dirty="0" smtClean="0"/>
-              <a:t>the individual bodily nutritional requirements </a:t>
-            </a:r>
-            <a:r>
-              <a:rPr lang="en-IN" dirty="0" smtClean="0"/>
-              <a:t>and the </a:t>
-            </a:r>
-            <a:r>
-              <a:rPr lang="en-IN" dirty="0" smtClean="0"/>
-              <a:t>corresponding raw materials that provide </a:t>
-            </a:r>
-            <a:r>
-              <a:rPr lang="en-IN" dirty="0" smtClean="0"/>
-              <a:t>those nutrients.</a:t>
+              <a:t>The core task of the system is to determine the individual bodily nutritional requirements and the corresponding raw materials that provide those nutrients.</a:t>
             </a:r>
             <a:endParaRPr lang="en-IN" dirty="0"/>
           </a:p>
@@ -6710,19 +6726,7 @@
           <a:p>
             <a:r>
               <a:rPr lang="en-IN" dirty="0" smtClean="0"/>
-              <a:t>It </a:t>
-            </a:r>
-            <a:r>
-              <a:rPr lang="en-IN" dirty="0" smtClean="0"/>
-              <a:t>does not deal with </a:t>
-            </a:r>
-            <a:r>
-              <a:rPr lang="en-IN" dirty="0" smtClean="0"/>
-              <a:t>seasonal availability of </a:t>
-            </a:r>
-            <a:r>
-              <a:rPr lang="en-IN" dirty="0" smtClean="0"/>
-              <a:t>food.</a:t>
+              <a:t>It does not deal with seasonal availability of food.</a:t>
             </a:r>
             <a:endParaRPr lang="en-IN" dirty="0"/>
           </a:p>
@@ -6733,6 +6737,13 @@
   <p:clrMapOvr>
     <a:masterClrMapping/>
   </p:clrMapOvr>
+  <p:timing>
+    <p:tnLst>
+      <p:par>
+        <p:cTn id="1" dur="indefinite" restart="never" nodeType="tmRoot"/>
+      </p:par>
+    </p:tnLst>
+  </p:timing>
 </p:sld>
 </file>
 
@@ -6812,6 +6823,13 @@
   <p:clrMapOvr>
     <a:masterClrMapping/>
   </p:clrMapOvr>
+  <p:timing>
+    <p:tnLst>
+      <p:par>
+        <p:cTn id="1" dur="indefinite" restart="never" nodeType="tmRoot"/>
+      </p:par>
+    </p:tnLst>
+  </p:timing>
 </p:sld>
 </file>
 
@@ -6908,6 +6926,13 @@
   <p:clrMapOvr>
     <a:masterClrMapping/>
   </p:clrMapOvr>
+  <p:timing>
+    <p:tnLst>
+      <p:par>
+        <p:cTn id="1" dur="indefinite" restart="never" nodeType="tmRoot"/>
+      </p:par>
+    </p:tnLst>
+  </p:timing>
 </p:sld>
 </file>
 
